--- a/Урок 3/Урок 3.pptx
+++ b/Урок 3/Урок 3.pptx
@@ -8,6 +8,10 @@
     <p:sldId id="258" r:id="rId2"/>
     <p:sldId id="263" r:id="rId3"/>
     <p:sldId id="262" r:id="rId4"/>
+    <p:sldId id="264" r:id="rId5"/>
+    <p:sldId id="267" r:id="rId6"/>
+    <p:sldId id="268" r:id="rId7"/>
+    <p:sldId id="266" r:id="rId8"/>
   </p:sldIdLst>
   <p:sldSz cx="12192000" cy="6858000"/>
   <p:notesSz cx="6858000" cy="9144000"/>
@@ -114,6 +118,10 @@
             <p14:sldId id="258"/>
             <p14:sldId id="263"/>
             <p14:sldId id="262"/>
+            <p14:sldId id="264"/>
+            <p14:sldId id="267"/>
+            <p14:sldId id="268"/>
+            <p14:sldId id="266"/>
           </p14:sldIdLst>
         </p14:section>
       </p14:sectionLst>
@@ -256,7 +264,7 @@
           <a:p>
             <a:fld id="{B7C2C77D-42AE-415F-B487-89E003DC1735}" type="datetimeFigureOut">
               <a:rPr lang="ru-RU" smtClean="0"/>
-              <a:t>18.07.2017</a:t>
+              <a:t>24.07.2017</a:t>
             </a:fld>
             <a:endParaRPr lang="ru-RU"/>
           </a:p>
@@ -426,7 +434,7 @@
           <a:p>
             <a:fld id="{B7C2C77D-42AE-415F-B487-89E003DC1735}" type="datetimeFigureOut">
               <a:rPr lang="ru-RU" smtClean="0"/>
-              <a:t>18.07.2017</a:t>
+              <a:t>24.07.2017</a:t>
             </a:fld>
             <a:endParaRPr lang="ru-RU"/>
           </a:p>
@@ -606,7 +614,7 @@
           <a:p>
             <a:fld id="{B7C2C77D-42AE-415F-B487-89E003DC1735}" type="datetimeFigureOut">
               <a:rPr lang="ru-RU" smtClean="0"/>
-              <a:t>18.07.2017</a:t>
+              <a:t>24.07.2017</a:t>
             </a:fld>
             <a:endParaRPr lang="ru-RU"/>
           </a:p>
@@ -776,7 +784,7 @@
           <a:p>
             <a:fld id="{B7C2C77D-42AE-415F-B487-89E003DC1735}" type="datetimeFigureOut">
               <a:rPr lang="ru-RU" smtClean="0"/>
-              <a:t>18.07.2017</a:t>
+              <a:t>24.07.2017</a:t>
             </a:fld>
             <a:endParaRPr lang="ru-RU"/>
           </a:p>
@@ -1022,7 +1030,7 @@
           <a:p>
             <a:fld id="{B7C2C77D-42AE-415F-B487-89E003DC1735}" type="datetimeFigureOut">
               <a:rPr lang="ru-RU" smtClean="0"/>
-              <a:t>18.07.2017</a:t>
+              <a:t>24.07.2017</a:t>
             </a:fld>
             <a:endParaRPr lang="ru-RU"/>
           </a:p>
@@ -1254,7 +1262,7 @@
           <a:p>
             <a:fld id="{B7C2C77D-42AE-415F-B487-89E003DC1735}" type="datetimeFigureOut">
               <a:rPr lang="ru-RU" smtClean="0"/>
-              <a:t>18.07.2017</a:t>
+              <a:t>24.07.2017</a:t>
             </a:fld>
             <a:endParaRPr lang="ru-RU"/>
           </a:p>
@@ -1621,7 +1629,7 @@
           <a:p>
             <a:fld id="{B7C2C77D-42AE-415F-B487-89E003DC1735}" type="datetimeFigureOut">
               <a:rPr lang="ru-RU" smtClean="0"/>
-              <a:t>18.07.2017</a:t>
+              <a:t>24.07.2017</a:t>
             </a:fld>
             <a:endParaRPr lang="ru-RU"/>
           </a:p>
@@ -1739,7 +1747,7 @@
           <a:p>
             <a:fld id="{B7C2C77D-42AE-415F-B487-89E003DC1735}" type="datetimeFigureOut">
               <a:rPr lang="ru-RU" smtClean="0"/>
-              <a:t>18.07.2017</a:t>
+              <a:t>24.07.2017</a:t>
             </a:fld>
             <a:endParaRPr lang="ru-RU"/>
           </a:p>
@@ -1834,7 +1842,7 @@
           <a:p>
             <a:fld id="{B7C2C77D-42AE-415F-B487-89E003DC1735}" type="datetimeFigureOut">
               <a:rPr lang="ru-RU" smtClean="0"/>
-              <a:t>18.07.2017</a:t>
+              <a:t>24.07.2017</a:t>
             </a:fld>
             <a:endParaRPr lang="ru-RU"/>
           </a:p>
@@ -2111,7 +2119,7 @@
           <a:p>
             <a:fld id="{B7C2C77D-42AE-415F-B487-89E003DC1735}" type="datetimeFigureOut">
               <a:rPr lang="ru-RU" smtClean="0"/>
-              <a:t>18.07.2017</a:t>
+              <a:t>24.07.2017</a:t>
             </a:fld>
             <a:endParaRPr lang="ru-RU"/>
           </a:p>
@@ -2364,7 +2372,7 @@
           <a:p>
             <a:fld id="{B7C2C77D-42AE-415F-B487-89E003DC1735}" type="datetimeFigureOut">
               <a:rPr lang="ru-RU" smtClean="0"/>
-              <a:t>18.07.2017</a:t>
+              <a:t>24.07.2017</a:t>
             </a:fld>
             <a:endParaRPr lang="ru-RU"/>
           </a:p>
@@ -2577,7 +2585,7 @@
           <a:p>
             <a:fld id="{B7C2C77D-42AE-415F-B487-89E003DC1735}" type="datetimeFigureOut">
               <a:rPr lang="ru-RU" smtClean="0"/>
-              <a:t>18.07.2017</a:t>
+              <a:t>24.07.2017</a:t>
             </a:fld>
             <a:endParaRPr lang="ru-RU"/>
           </a:p>
@@ -3098,71 +3106,13 @@
       </p:grpSpPr>
       <p:sp>
         <p:nvSpPr>
-          <p:cNvPr id="6" name="Прямоугольник 5"/>
-          <p:cNvSpPr/>
-          <p:nvPr/>
-        </p:nvSpPr>
-        <p:spPr>
-          <a:xfrm>
-            <a:off x="701962" y="1895872"/>
-            <a:ext cx="10908145" cy="369332"/>
-          </a:xfrm>
-          <a:prstGeom prst="rect">
-            <a:avLst/>
-          </a:prstGeom>
-        </p:spPr>
-        <p:txBody>
-          <a:bodyPr wrap="square">
-            <a:spAutoFit/>
-          </a:bodyPr>
-          <a:lstStyle/>
-          <a:p>
-            <a:r>
-              <a:rPr lang="en-US" dirty="0" smtClean="0">
-                <a:latin typeface="Courier New" panose="02070309020205020404" pitchFamily="49" charset="0"/>
-              </a:rPr>
-              <a:t>6)</a:t>
-            </a:r>
-            <a:r>
-              <a:rPr lang="ru-RU" b="1" dirty="0" smtClean="0">
-                <a:solidFill>
-                  <a:srgbClr val="FF0000"/>
-                </a:solidFill>
-                <a:latin typeface="Courier New" panose="02070309020205020404" pitchFamily="49" charset="0"/>
-              </a:rPr>
-              <a:t>ДЗ</a:t>
-            </a:r>
-            <a:r>
-              <a:rPr lang="en-US" dirty="0" smtClean="0">
-                <a:latin typeface="Courier New" panose="02070309020205020404" pitchFamily="49" charset="0"/>
-              </a:rPr>
-              <a:t> </a:t>
-            </a:r>
-            <a:r>
-              <a:rPr lang="ru-RU" dirty="0" smtClean="0">
-                <a:latin typeface="Courier New" panose="02070309020205020404" pitchFamily="49" charset="0"/>
-              </a:rPr>
-              <a:t>Подсчет </a:t>
-            </a:r>
-            <a:r>
-              <a:rPr lang="ru-RU" dirty="0">
-                <a:latin typeface="Courier New" panose="02070309020205020404" pitchFamily="49" charset="0"/>
-              </a:rPr>
-              <a:t>суммы цифр в трехзначном числе.</a:t>
-            </a:r>
-            <a:endParaRPr lang="ru-RU" dirty="0"/>
-          </a:p>
-        </p:txBody>
-      </p:sp>
-      <p:sp>
-        <p:nvSpPr>
           <p:cNvPr id="7" name="Прямоугольник 6"/>
           <p:cNvSpPr/>
           <p:nvPr/>
         </p:nvSpPr>
         <p:spPr>
           <a:xfrm>
-            <a:off x="701960" y="2366735"/>
+            <a:off x="701960" y="1710952"/>
             <a:ext cx="5698996" cy="369332"/>
           </a:xfrm>
           <a:prstGeom prst="rect">
@@ -3176,10 +3126,16 @@
           <a:lstStyle/>
           <a:p>
             <a:r>
+              <a:rPr lang="ru-RU" dirty="0">
+                <a:latin typeface="Courier New" panose="02070309020205020404" pitchFamily="49" charset="0"/>
+              </a:rPr>
+              <a:t>8</a:t>
+            </a:r>
+            <a:r>
               <a:rPr lang="en-US" dirty="0" smtClean="0">
                 <a:latin typeface="Courier New" panose="02070309020205020404" pitchFamily="49" charset="0"/>
               </a:rPr>
-              <a:t>7) </a:t>
+              <a:t>) </a:t>
             </a:r>
             <a:r>
               <a:rPr lang="ru-RU" dirty="0" smtClean="0">
@@ -3198,14 +3154,14 @@
       </p:sp>
       <p:sp>
         <p:nvSpPr>
-          <p:cNvPr id="8" name="Прямоугольник 7"/>
+          <p:cNvPr id="9" name="Прямоугольник 8"/>
           <p:cNvSpPr/>
           <p:nvPr/>
         </p:nvSpPr>
         <p:spPr>
           <a:xfrm>
-            <a:off x="701961" y="2904431"/>
-            <a:ext cx="10908145" cy="646331"/>
+            <a:off x="701960" y="3709890"/>
+            <a:ext cx="10908146" cy="1754326"/>
           </a:xfrm>
           <a:prstGeom prst="rect">
             <a:avLst/>
@@ -3221,63 +3177,31 @@
               <a:rPr lang="en-US" dirty="0" smtClean="0">
                 <a:latin typeface="Courier New" panose="02070309020205020404" pitchFamily="49" charset="0"/>
               </a:rPr>
-              <a:t>8) </a:t>
-            </a:r>
-            <a:r>
-              <a:rPr lang="ru-RU" dirty="0" smtClean="0">
-                <a:latin typeface="Courier New" panose="02070309020205020404" pitchFamily="49" charset="0"/>
-              </a:rPr>
-              <a:t>Поменять </a:t>
+              <a:t>9) </a:t>
             </a:r>
             <a:r>
               <a:rPr lang="ru-RU" dirty="0">
                 <a:latin typeface="Courier New" panose="02070309020205020404" pitchFamily="49" charset="0"/>
               </a:rPr>
-              <a:t>значения переменных a и b местами. Без использования третьей переменной.</a:t>
-            </a:r>
-          </a:p>
-        </p:txBody>
-      </p:sp>
-      <p:sp>
-        <p:nvSpPr>
-          <p:cNvPr id="9" name="Прямоугольник 8"/>
-          <p:cNvSpPr/>
-          <p:nvPr/>
-        </p:nvSpPr>
-        <p:spPr>
-          <a:xfrm>
-            <a:off x="701960" y="3719126"/>
-            <a:ext cx="10908146" cy="369332"/>
-          </a:xfrm>
-          <a:prstGeom prst="rect">
-            <a:avLst/>
-          </a:prstGeom>
-        </p:spPr>
-        <p:txBody>
-          <a:bodyPr wrap="square">
-            <a:spAutoFit/>
-          </a:bodyPr>
-          <a:lstStyle/>
-          <a:p>
-            <a:r>
-              <a:rPr lang="en-US" dirty="0" smtClean="0">
-                <a:latin typeface="Courier New" panose="02070309020205020404" pitchFamily="49" charset="0"/>
-              </a:rPr>
-              <a:t>9) </a:t>
-            </a:r>
-            <a:r>
-              <a:rPr lang="ru-RU" dirty="0" smtClean="0">
-                <a:latin typeface="Courier New" panose="02070309020205020404" pitchFamily="49" charset="0"/>
-              </a:rPr>
-              <a:t>Даны </a:t>
-            </a:r>
+              <a:t>Длина Московской кольцевой автомобильной дороги —109 километров. Байкер Вася стартует с нулевого километра МКАД и едет со скоростью v километров в час. На какой отметке он остановится через t часов?</a:t>
+            </a:r>
+            <a:endParaRPr lang="en-US" dirty="0">
+              <a:latin typeface="Courier New" panose="02070309020205020404" pitchFamily="49" charset="0"/>
+            </a:endParaRPr>
+          </a:p>
+          <a:p>
+            <a:endParaRPr lang="ru-RU" dirty="0">
+              <a:latin typeface="Courier New" panose="02070309020205020404" pitchFamily="49" charset="0"/>
+            </a:endParaRPr>
+          </a:p>
+          <a:p>
             <a:r>
               <a:rPr lang="ru-RU" dirty="0">
                 <a:latin typeface="Courier New" panose="02070309020205020404" pitchFamily="49" charset="0"/>
               </a:rPr>
-              <a:t>три стороны треугольника, вывести длины средних линий.</a:t>
-            </a:r>
-            <a:endParaRPr lang="en-US" dirty="0">
+              <a:t>Программа получает на вход значения v и t. Если v&gt;0, то Вася движется в положительном направлении по МКАД, если же значение v&lt;0, то в отрицательном.</a:t>
+            </a:r>
+            <a:endParaRPr lang="ru-RU" dirty="0">
               <a:latin typeface="Courier New" panose="02070309020205020404" pitchFamily="49" charset="0"/>
             </a:endParaRPr>
           </a:p>
@@ -3315,14 +3239,199 @@
       </p:grpSpPr>
       <p:sp>
         <p:nvSpPr>
+          <p:cNvPr id="3" name="TextBox 2"/>
+          <p:cNvSpPr txBox="1"/>
+          <p:nvPr/>
+        </p:nvSpPr>
+        <p:spPr>
+          <a:xfrm>
+            <a:off x="550564" y="929445"/>
+            <a:ext cx="11523604" cy="3170099"/>
+          </a:xfrm>
+          <a:prstGeom prst="rect">
+            <a:avLst/>
+          </a:prstGeom>
+          <a:noFill/>
+        </p:spPr>
+        <p:txBody>
+          <a:bodyPr wrap="none" rtlCol="0">
+            <a:spAutoFit/>
+          </a:bodyPr>
+          <a:lstStyle/>
+          <a:p>
+            <a:r>
+              <a:rPr lang="ru-RU" sz="2000" dirty="0" smtClean="0"/>
+              <a:t>10) Дано </a:t>
+            </a:r>
+            <a:r>
+              <a:rPr lang="ru-RU" sz="2000" dirty="0"/>
+              <a:t>число </a:t>
+            </a:r>
+            <a:r>
+              <a:rPr lang="ru-RU" sz="2000" b="1" i="1" dirty="0"/>
+              <a:t>n</a:t>
+            </a:r>
+            <a:r>
+              <a:rPr lang="ru-RU" sz="2000" dirty="0"/>
+              <a:t>. С начала суток прошло </a:t>
+            </a:r>
+            <a:r>
+              <a:rPr lang="ru-RU" sz="2000" b="1" i="1" dirty="0"/>
+              <a:t>n</a:t>
+            </a:r>
+            <a:r>
+              <a:rPr lang="ru-RU" sz="2000" dirty="0"/>
+              <a:t> минут. </a:t>
+            </a:r>
+            <a:r>
+              <a:rPr lang="ru-RU" sz="2000" dirty="0" smtClean="0"/>
+              <a:t/>
+            </a:r>
+            <a:br>
+              <a:rPr lang="ru-RU" sz="2000" dirty="0" smtClean="0"/>
+            </a:br>
+            <a:r>
+              <a:rPr lang="ru-RU" sz="2000" dirty="0" smtClean="0"/>
+              <a:t>Определите</a:t>
+            </a:r>
+            <a:r>
+              <a:rPr lang="ru-RU" sz="2000" dirty="0"/>
+              <a:t>, сколько часов и минут будут показывать электронные часы в этот </a:t>
+            </a:r>
+            <a:r>
+              <a:rPr lang="ru-RU" sz="2000" dirty="0" smtClean="0"/>
+              <a:t>момент.</a:t>
+            </a:r>
+            <a:br>
+              <a:rPr lang="ru-RU" sz="2000" dirty="0" smtClean="0"/>
+            </a:br>
+            <a:r>
+              <a:rPr lang="ru-RU" sz="2000" dirty="0"/>
+              <a:t/>
+            </a:r>
+            <a:br>
+              <a:rPr lang="ru-RU" sz="2000" dirty="0"/>
+            </a:br>
+            <a:r>
+              <a:rPr lang="ru-RU" sz="2000" dirty="0" smtClean="0"/>
+              <a:t>а) Программа </a:t>
+            </a:r>
+            <a:r>
+              <a:rPr lang="ru-RU" sz="2000" dirty="0"/>
+              <a:t>должна вывести два числа: количество часов (от 0 до 23) и количество минут (от 0 до 59</a:t>
+            </a:r>
+            <a:r>
+              <a:rPr lang="ru-RU" sz="2000" dirty="0" smtClean="0"/>
+              <a:t>).</a:t>
+            </a:r>
+          </a:p>
+          <a:p>
+            <a:r>
+              <a:rPr lang="ru-RU" sz="2000" dirty="0" smtClean="0"/>
+              <a:t/>
+            </a:r>
+            <a:br>
+              <a:rPr lang="ru-RU" sz="2000" dirty="0" smtClean="0"/>
+            </a:br>
+            <a:r>
+              <a:rPr lang="ru-RU" sz="2000" dirty="0" smtClean="0"/>
+              <a:t>б) Учтите</a:t>
+            </a:r>
+            <a:r>
+              <a:rPr lang="ru-RU" sz="2000" dirty="0"/>
+              <a:t>, что число </a:t>
+            </a:r>
+            <a:r>
+              <a:rPr lang="ru-RU" sz="2000" b="1" i="1" dirty="0"/>
+              <a:t>n</a:t>
+            </a:r>
+            <a:r>
+              <a:rPr lang="ru-RU" sz="2000" dirty="0"/>
+              <a:t> может быть больше, чем количество минут в сутках</a:t>
+            </a:r>
+            <a:r>
+              <a:rPr lang="ru-RU" sz="2000" dirty="0" smtClean="0"/>
+              <a:t>.</a:t>
+            </a:r>
+            <a:br>
+              <a:rPr lang="ru-RU" sz="2000" dirty="0" smtClean="0"/>
+            </a:br>
+            <a:r>
+              <a:rPr lang="ru-RU" sz="2000" dirty="0" smtClean="0"/>
+              <a:t/>
+            </a:r>
+            <a:br>
+              <a:rPr lang="ru-RU" sz="2000" dirty="0" smtClean="0"/>
+            </a:br>
+            <a:r>
+              <a:rPr lang="ru-RU" sz="2000" dirty="0"/>
+              <a:t>в</a:t>
+            </a:r>
+            <a:r>
+              <a:rPr lang="ru-RU" sz="2000" dirty="0" smtClean="0"/>
+              <a:t>) Добавьте секунды к заданиям.</a:t>
+            </a:r>
+          </a:p>
+          <a:p>
+            <a:endParaRPr lang="ru-RU" sz="2000" dirty="0"/>
+          </a:p>
+          <a:p>
+            <a:r>
+              <a:rPr lang="ru-RU" sz="2000" dirty="0" smtClean="0"/>
+              <a:t>Формат вывода: </a:t>
+            </a:r>
+            <a:r>
+              <a:rPr lang="en-US" sz="2000" b="1" dirty="0" err="1"/>
+              <a:t>h</a:t>
+            </a:r>
+            <a:r>
+              <a:rPr lang="en-US" sz="2000" b="1" dirty="0" err="1" smtClean="0"/>
+              <a:t>h:mm:ss</a:t>
+            </a:r>
+            <a:endParaRPr lang="ru-RU" sz="2000" b="1" dirty="0"/>
+          </a:p>
+        </p:txBody>
+      </p:sp>
+    </p:spTree>
+    <p:extLst>
+      <p:ext uri="{BB962C8B-B14F-4D97-AF65-F5344CB8AC3E}">
+        <p14:creationId xmlns:p14="http://schemas.microsoft.com/office/powerpoint/2010/main" val="4181233931"/>
+      </p:ext>
+    </p:extLst>
+  </p:cSld>
+  <p:clrMapOvr>
+    <a:masterClrMapping/>
+  </p:clrMapOvr>
+</p:sld>
+</file>
+
+<file path=ppt/slides/slide4.xml><?xml version="1.0" encoding="utf-8"?>
+<p:sld xmlns:a="http://schemas.openxmlformats.org/drawingml/2006/main" xmlns:r="http://schemas.openxmlformats.org/officeDocument/2006/relationships" xmlns:p="http://schemas.openxmlformats.org/presentationml/2006/main">
+  <p:cSld>
+    <p:spTree>
+      <p:nvGrpSpPr>
+        <p:cNvPr id="1" name=""/>
+        <p:cNvGrpSpPr/>
+        <p:nvPr/>
+      </p:nvGrpSpPr>
+      <p:grpSpPr>
+        <a:xfrm>
+          <a:off x="0" y="0"/>
+          <a:ext cx="0" cy="0"/>
+          <a:chOff x="0" y="0"/>
+          <a:chExt cx="0" cy="0"/>
+        </a:xfrm>
+      </p:grpSpPr>
+      <p:sp>
+        <p:nvSpPr>
           <p:cNvPr id="4" name="Прямоугольник 3"/>
           <p:cNvSpPr/>
           <p:nvPr/>
         </p:nvSpPr>
         <p:spPr>
           <a:xfrm>
-            <a:off x="886690" y="1184994"/>
-            <a:ext cx="11046691" cy="1754326"/>
+            <a:off x="600364" y="914400"/>
+            <a:ext cx="8562109" cy="1631216"/>
           </a:xfrm>
           <a:prstGeom prst="rect">
             <a:avLst/>
@@ -3335,67 +3444,843 @@
           <a:lstStyle/>
           <a:p>
             <a:r>
-              <a:rPr lang="en-US" dirty="0" smtClean="0">
-                <a:latin typeface="Courier New" panose="02070309020205020404" pitchFamily="49" charset="0"/>
-              </a:rPr>
-              <a:t>10) </a:t>
-            </a:r>
-            <a:r>
-              <a:rPr lang="ru-RU" dirty="0" smtClean="0">
-                <a:latin typeface="Courier New" panose="02070309020205020404" pitchFamily="49" charset="0"/>
-              </a:rPr>
-              <a:t>Длина </a:t>
-            </a:r>
-            <a:r>
-              <a:rPr lang="ru-RU" dirty="0">
-                <a:latin typeface="Courier New" panose="02070309020205020404" pitchFamily="49" charset="0"/>
-              </a:rPr>
-              <a:t>Московской кольцевой автомобильной дороги —109 километров. Байкер Вася стартует с нулевого километра МКАД и едет со скоростью v километров в час. На какой отметке он остановится через t часов</a:t>
-            </a:r>
-            <a:r>
-              <a:rPr lang="ru-RU" dirty="0" smtClean="0">
-                <a:latin typeface="Courier New" panose="02070309020205020404" pitchFamily="49" charset="0"/>
-              </a:rPr>
-              <a:t>?</a:t>
-            </a:r>
-            <a:endParaRPr lang="en-US" dirty="0" smtClean="0">
-              <a:latin typeface="Courier New" panose="02070309020205020404" pitchFamily="49" charset="0"/>
+              <a:rPr lang="en-US" sz="2000" dirty="0" smtClean="0">
+                <a:solidFill>
+                  <a:srgbClr val="000000"/>
+                </a:solidFill>
+              </a:rPr>
+              <a:t>11) </a:t>
+            </a:r>
+            <a:r>
+              <a:rPr lang="ru-RU" sz="2000" dirty="0" smtClean="0">
+                <a:solidFill>
+                  <a:srgbClr val="000000"/>
+                </a:solidFill>
+              </a:rPr>
+              <a:t>В </a:t>
+            </a:r>
+            <a:r>
+              <a:rPr lang="ru-RU" sz="2000" dirty="0">
+                <a:solidFill>
+                  <a:srgbClr val="000000"/>
+                </a:solidFill>
+              </a:rPr>
+              <a:t>некоторой школе занятия начинаются в 9:00. </a:t>
+            </a:r>
+            <a:endParaRPr lang="en-US" sz="2000" dirty="0" smtClean="0">
+              <a:solidFill>
+                <a:srgbClr val="000000"/>
+              </a:solidFill>
             </a:endParaRPr>
           </a:p>
           <a:p>
-            <a:endParaRPr lang="ru-RU" dirty="0">
-              <a:latin typeface="Courier New" panose="02070309020205020404" pitchFamily="49" charset="0"/>
+            <a:r>
+              <a:rPr lang="ru-RU" sz="2000" dirty="0" smtClean="0">
+                <a:solidFill>
+                  <a:srgbClr val="000000"/>
+                </a:solidFill>
+              </a:rPr>
+              <a:t>Продолжительность </a:t>
+            </a:r>
+            <a:r>
+              <a:rPr lang="ru-RU" sz="2000" dirty="0">
+                <a:solidFill>
+                  <a:srgbClr val="000000"/>
+                </a:solidFill>
+              </a:rPr>
+              <a:t>урока — 45 минут, </a:t>
+            </a:r>
+            <a:endParaRPr lang="en-US" sz="2000" dirty="0" smtClean="0">
+              <a:solidFill>
+                <a:srgbClr val="000000"/>
+              </a:solidFill>
             </a:endParaRPr>
           </a:p>
           <a:p>
             <a:r>
-              <a:rPr lang="ru-RU" dirty="0" smtClean="0">
-                <a:latin typeface="Courier New" panose="02070309020205020404" pitchFamily="49" charset="0"/>
-              </a:rPr>
-              <a:t>Программа </a:t>
-            </a:r>
-            <a:r>
-              <a:rPr lang="ru-RU" dirty="0">
-                <a:latin typeface="Courier New" panose="02070309020205020404" pitchFamily="49" charset="0"/>
-              </a:rPr>
-              <a:t>получает на вход значения v и t. Если v&gt;0, то Вася движется в положительном направлении по МКАД, если же значение v&lt;0, то в отрицательном</a:t>
-            </a:r>
-            <a:r>
-              <a:rPr lang="ru-RU" dirty="0" smtClean="0">
-                <a:latin typeface="Courier New" panose="02070309020205020404" pitchFamily="49" charset="0"/>
-              </a:rPr>
-              <a:t>.</a:t>
-            </a:r>
-            <a:endParaRPr lang="ru-RU" dirty="0">
-              <a:latin typeface="Courier New" panose="02070309020205020404" pitchFamily="49" charset="0"/>
+              <a:rPr lang="ru-RU" sz="2000" dirty="0" smtClean="0">
+                <a:solidFill>
+                  <a:srgbClr val="000000"/>
+                </a:solidFill>
+              </a:rPr>
+              <a:t>после </a:t>
+            </a:r>
+            <a:r>
+              <a:rPr lang="ru-RU" sz="2000" dirty="0">
+                <a:solidFill>
+                  <a:srgbClr val="000000"/>
+                </a:solidFill>
+              </a:rPr>
+              <a:t>1-го, 3-го, 5-го и т.д. уроков перемена 5 </a:t>
+            </a:r>
+            <a:r>
+              <a:rPr lang="ru-RU" sz="2000" dirty="0" smtClean="0">
+                <a:solidFill>
+                  <a:srgbClr val="000000"/>
+                </a:solidFill>
+              </a:rPr>
+              <a:t>минут,</a:t>
+            </a:r>
+            <a:endParaRPr lang="en-US" sz="2000" dirty="0" smtClean="0">
+              <a:solidFill>
+                <a:srgbClr val="000000"/>
+              </a:solidFill>
             </a:endParaRPr>
+          </a:p>
+          <a:p>
+            <a:r>
+              <a:rPr lang="ru-RU" sz="2000" dirty="0" smtClean="0">
+                <a:solidFill>
+                  <a:srgbClr val="000000"/>
+                </a:solidFill>
+              </a:rPr>
+              <a:t>а </a:t>
+            </a:r>
+            <a:r>
+              <a:rPr lang="ru-RU" sz="2000" dirty="0">
+                <a:solidFill>
+                  <a:srgbClr val="000000"/>
+                </a:solidFill>
+              </a:rPr>
+              <a:t>после 2-го, 4-го, 6-го и т.д. — 15 </a:t>
+            </a:r>
+            <a:r>
+              <a:rPr lang="ru-RU" sz="2000" dirty="0" smtClean="0">
+                <a:solidFill>
+                  <a:srgbClr val="000000"/>
+                </a:solidFill>
+              </a:rPr>
+              <a:t>минут.</a:t>
+            </a:r>
+            <a:endParaRPr lang="en-US" sz="2000" dirty="0" smtClean="0">
+              <a:solidFill>
+                <a:srgbClr val="000000"/>
+              </a:solidFill>
+            </a:endParaRPr>
+          </a:p>
+          <a:p>
+            <a:r>
+              <a:rPr lang="ru-RU" sz="2000" dirty="0" smtClean="0">
+                <a:solidFill>
+                  <a:srgbClr val="000000"/>
+                </a:solidFill>
+              </a:rPr>
+              <a:t>Определите</a:t>
+            </a:r>
+            <a:r>
+              <a:rPr lang="ru-RU" sz="2000" dirty="0">
+                <a:solidFill>
+                  <a:srgbClr val="000000"/>
+                </a:solidFill>
+              </a:rPr>
+              <a:t>, когда заканчивается указанный урок.</a:t>
+            </a:r>
+            <a:endParaRPr lang="ru-RU" sz="2000" dirty="0"/>
           </a:p>
         </p:txBody>
       </p:sp>
     </p:spTree>
     <p:extLst>
       <p:ext uri="{BB962C8B-B14F-4D97-AF65-F5344CB8AC3E}">
-        <p14:creationId xmlns:p14="http://schemas.microsoft.com/office/powerpoint/2010/main" val="4181233931"/>
+        <p14:creationId xmlns:p14="http://schemas.microsoft.com/office/powerpoint/2010/main" val="1984486814"/>
+      </p:ext>
+    </p:extLst>
+  </p:cSld>
+  <p:clrMapOvr>
+    <a:masterClrMapping/>
+  </p:clrMapOvr>
+</p:sld>
+</file>
+
+<file path=ppt/slides/slide5.xml><?xml version="1.0" encoding="utf-8"?>
+<p:sld xmlns:a="http://schemas.openxmlformats.org/drawingml/2006/main" xmlns:r="http://schemas.openxmlformats.org/officeDocument/2006/relationships" xmlns:p="http://schemas.openxmlformats.org/presentationml/2006/main">
+  <p:cSld>
+    <p:spTree>
+      <p:nvGrpSpPr>
+        <p:cNvPr id="1" name=""/>
+        <p:cNvGrpSpPr/>
+        <p:nvPr/>
+      </p:nvGrpSpPr>
+      <p:grpSpPr>
+        <a:xfrm>
+          <a:off x="0" y="0"/>
+          <a:ext cx="0" cy="0"/>
+          <a:chOff x="0" y="0"/>
+          <a:chExt cx="0" cy="0"/>
+        </a:xfrm>
+      </p:grpSpPr>
+      <p:sp>
+        <p:nvSpPr>
+          <p:cNvPr id="2" name="Заголовок 1"/>
+          <p:cNvSpPr>
+            <a:spLocks noGrp="1"/>
+          </p:cNvSpPr>
+          <p:nvPr>
+            <p:ph type="title"/>
+          </p:nvPr>
+        </p:nvSpPr>
+        <p:spPr/>
+        <p:txBody>
+          <a:bodyPr/>
+          <a:lstStyle/>
+          <a:p>
+            <a:r>
+              <a:rPr lang="ru-RU" dirty="0" smtClean="0"/>
+              <a:t>Условный оператор</a:t>
+            </a:r>
+            <a:endParaRPr lang="ru-RU" dirty="0"/>
+          </a:p>
+        </p:txBody>
+      </p:sp>
+      <p:sp>
+        <p:nvSpPr>
+          <p:cNvPr id="4" name="Прямоугольник 3"/>
+          <p:cNvSpPr/>
+          <p:nvPr/>
+        </p:nvSpPr>
+        <p:spPr>
+          <a:xfrm>
+            <a:off x="838200" y="1785310"/>
+            <a:ext cx="6096000" cy="2308324"/>
+          </a:xfrm>
+          <a:prstGeom prst="rect">
+            <a:avLst/>
+          </a:prstGeom>
+        </p:spPr>
+        <p:txBody>
+          <a:bodyPr>
+            <a:spAutoFit/>
+          </a:bodyPr>
+          <a:lstStyle/>
+          <a:p>
+            <a:r>
+              <a:rPr lang="en-US" dirty="0" err="1">
+                <a:solidFill>
+                  <a:srgbClr val="0000FF"/>
+                </a:solidFill>
+                <a:latin typeface="Consolas" panose="020B0609020204030204" pitchFamily="49" charset="0"/>
+              </a:rPr>
+              <a:t>int</a:t>
+            </a:r>
+            <a:r>
+              <a:rPr lang="en-US" dirty="0">
+                <a:solidFill>
+                  <a:srgbClr val="000000"/>
+                </a:solidFill>
+                <a:latin typeface="Consolas" panose="020B0609020204030204" pitchFamily="49" charset="0"/>
+              </a:rPr>
+              <a:t> x;</a:t>
+            </a:r>
+          </a:p>
+          <a:p>
+            <a:r>
+              <a:rPr lang="en-US" dirty="0" err="1">
+                <a:solidFill>
+                  <a:srgbClr val="000000"/>
+                </a:solidFill>
+                <a:latin typeface="Consolas" panose="020B0609020204030204" pitchFamily="49" charset="0"/>
+              </a:rPr>
+              <a:t>cin</a:t>
+            </a:r>
+            <a:r>
+              <a:rPr lang="en-US" dirty="0">
+                <a:solidFill>
+                  <a:srgbClr val="000000"/>
+                </a:solidFill>
+                <a:latin typeface="Consolas" panose="020B0609020204030204" pitchFamily="49" charset="0"/>
+              </a:rPr>
+              <a:t> </a:t>
+            </a:r>
+            <a:r>
+              <a:rPr lang="en-US" dirty="0">
+                <a:solidFill>
+                  <a:srgbClr val="008080"/>
+                </a:solidFill>
+                <a:latin typeface="Consolas" panose="020B0609020204030204" pitchFamily="49" charset="0"/>
+              </a:rPr>
+              <a:t>&gt;&gt;</a:t>
+            </a:r>
+            <a:r>
+              <a:rPr lang="en-US" dirty="0">
+                <a:solidFill>
+                  <a:srgbClr val="000000"/>
+                </a:solidFill>
+                <a:latin typeface="Consolas" panose="020B0609020204030204" pitchFamily="49" charset="0"/>
+              </a:rPr>
+              <a:t> x;</a:t>
+            </a:r>
+          </a:p>
+          <a:p>
+            <a:r>
+              <a:rPr lang="en-US" dirty="0">
+                <a:solidFill>
+                  <a:srgbClr val="0000FF"/>
+                </a:solidFill>
+                <a:latin typeface="Consolas" panose="020B0609020204030204" pitchFamily="49" charset="0"/>
+              </a:rPr>
+              <a:t>if</a:t>
+            </a:r>
+            <a:r>
+              <a:rPr lang="en-US" dirty="0">
+                <a:solidFill>
+                  <a:srgbClr val="000000"/>
+                </a:solidFill>
+                <a:latin typeface="Consolas" panose="020B0609020204030204" pitchFamily="49" charset="0"/>
+              </a:rPr>
+              <a:t> (x&gt;0) {</a:t>
+            </a:r>
+          </a:p>
+          <a:p>
+            <a:r>
+              <a:rPr lang="en-US" dirty="0" smtClean="0">
+                <a:solidFill>
+                  <a:srgbClr val="000000"/>
+                </a:solidFill>
+                <a:latin typeface="Consolas" panose="020B0609020204030204" pitchFamily="49" charset="0"/>
+              </a:rPr>
+              <a:t>	</a:t>
+            </a:r>
+            <a:r>
+              <a:rPr lang="en-US" dirty="0" err="1" smtClean="0">
+                <a:solidFill>
+                  <a:srgbClr val="000000"/>
+                </a:solidFill>
+                <a:latin typeface="Consolas" panose="020B0609020204030204" pitchFamily="49" charset="0"/>
+              </a:rPr>
+              <a:t>cout</a:t>
+            </a:r>
+            <a:r>
+              <a:rPr lang="en-US" dirty="0" smtClean="0">
+                <a:solidFill>
+                  <a:srgbClr val="000000"/>
+                </a:solidFill>
+                <a:latin typeface="Consolas" panose="020B0609020204030204" pitchFamily="49" charset="0"/>
+              </a:rPr>
+              <a:t> </a:t>
+            </a:r>
+            <a:r>
+              <a:rPr lang="en-US" dirty="0">
+                <a:solidFill>
+                  <a:srgbClr val="008080"/>
+                </a:solidFill>
+                <a:latin typeface="Consolas" panose="020B0609020204030204" pitchFamily="49" charset="0"/>
+              </a:rPr>
+              <a:t>&lt;&lt;</a:t>
+            </a:r>
+            <a:r>
+              <a:rPr lang="en-US" dirty="0">
+                <a:solidFill>
+                  <a:srgbClr val="000000"/>
+                </a:solidFill>
+                <a:latin typeface="Consolas" panose="020B0609020204030204" pitchFamily="49" charset="0"/>
+              </a:rPr>
+              <a:t> x;</a:t>
+            </a:r>
+          </a:p>
+          <a:p>
+            <a:r>
+              <a:rPr lang="ru-RU" dirty="0">
+                <a:solidFill>
+                  <a:srgbClr val="000000"/>
+                </a:solidFill>
+                <a:latin typeface="Consolas" panose="020B0609020204030204" pitchFamily="49" charset="0"/>
+              </a:rPr>
+              <a:t>}</a:t>
+            </a:r>
+          </a:p>
+          <a:p>
+            <a:r>
+              <a:rPr lang="en-US" dirty="0">
+                <a:solidFill>
+                  <a:srgbClr val="0000FF"/>
+                </a:solidFill>
+                <a:latin typeface="Consolas" panose="020B0609020204030204" pitchFamily="49" charset="0"/>
+              </a:rPr>
+              <a:t>else</a:t>
+            </a:r>
+            <a:r>
+              <a:rPr lang="en-US" dirty="0">
+                <a:solidFill>
+                  <a:srgbClr val="000000"/>
+                </a:solidFill>
+                <a:latin typeface="Consolas" panose="020B0609020204030204" pitchFamily="49" charset="0"/>
+              </a:rPr>
+              <a:t> {</a:t>
+            </a:r>
+          </a:p>
+          <a:p>
+            <a:r>
+              <a:rPr lang="en-US" dirty="0" smtClean="0">
+                <a:solidFill>
+                  <a:srgbClr val="000000"/>
+                </a:solidFill>
+                <a:latin typeface="Consolas" panose="020B0609020204030204" pitchFamily="49" charset="0"/>
+              </a:rPr>
+              <a:t>	</a:t>
+            </a:r>
+            <a:r>
+              <a:rPr lang="en-US" dirty="0" err="1" smtClean="0">
+                <a:solidFill>
+                  <a:srgbClr val="000000"/>
+                </a:solidFill>
+                <a:latin typeface="Consolas" panose="020B0609020204030204" pitchFamily="49" charset="0"/>
+              </a:rPr>
+              <a:t>cout</a:t>
+            </a:r>
+            <a:r>
+              <a:rPr lang="en-US" dirty="0" smtClean="0">
+                <a:solidFill>
+                  <a:srgbClr val="000000"/>
+                </a:solidFill>
+                <a:latin typeface="Consolas" panose="020B0609020204030204" pitchFamily="49" charset="0"/>
+              </a:rPr>
+              <a:t> </a:t>
+            </a:r>
+            <a:r>
+              <a:rPr lang="en-US" dirty="0">
+                <a:solidFill>
+                  <a:srgbClr val="008080"/>
+                </a:solidFill>
+                <a:latin typeface="Consolas" panose="020B0609020204030204" pitchFamily="49" charset="0"/>
+              </a:rPr>
+              <a:t>&lt;&lt;</a:t>
+            </a:r>
+            <a:r>
+              <a:rPr lang="en-US" dirty="0">
+                <a:solidFill>
+                  <a:srgbClr val="000000"/>
+                </a:solidFill>
+                <a:latin typeface="Consolas" panose="020B0609020204030204" pitchFamily="49" charset="0"/>
+              </a:rPr>
+              <a:t> -x;</a:t>
+            </a:r>
+          </a:p>
+          <a:p>
+            <a:r>
+              <a:rPr lang="ru-RU" dirty="0">
+                <a:solidFill>
+                  <a:srgbClr val="000000"/>
+                </a:solidFill>
+                <a:latin typeface="Consolas" panose="020B0609020204030204" pitchFamily="49" charset="0"/>
+              </a:rPr>
+              <a:t>}</a:t>
+            </a:r>
+            <a:endParaRPr lang="ru-RU" dirty="0"/>
+          </a:p>
+        </p:txBody>
+      </p:sp>
+      <p:sp>
+        <p:nvSpPr>
+          <p:cNvPr id="6" name="Прямоугольник 5"/>
+          <p:cNvSpPr/>
+          <p:nvPr/>
+        </p:nvSpPr>
+        <p:spPr>
+          <a:xfrm>
+            <a:off x="6289964" y="1690688"/>
+            <a:ext cx="6096000" cy="1754326"/>
+          </a:xfrm>
+          <a:prstGeom prst="rect">
+            <a:avLst/>
+          </a:prstGeom>
+        </p:spPr>
+        <p:txBody>
+          <a:bodyPr>
+            <a:spAutoFit/>
+          </a:bodyPr>
+          <a:lstStyle/>
+          <a:p>
+            <a:r>
+              <a:rPr lang="en-US" dirty="0">
+                <a:solidFill>
+                  <a:srgbClr val="0000FF"/>
+                </a:solidFill>
+                <a:latin typeface="Consolas" panose="020B0609020204030204" pitchFamily="49" charset="0"/>
+              </a:rPr>
+              <a:t>if</a:t>
+            </a:r>
+            <a:r>
+              <a:rPr lang="en-US" dirty="0">
+                <a:solidFill>
+                  <a:srgbClr val="000000"/>
+                </a:solidFill>
+                <a:latin typeface="Consolas" panose="020B0609020204030204" pitchFamily="49" charset="0"/>
+              </a:rPr>
+              <a:t> (</a:t>
+            </a:r>
+            <a:r>
+              <a:rPr lang="ru-RU" dirty="0">
+                <a:solidFill>
+                  <a:srgbClr val="000000"/>
+                </a:solidFill>
+                <a:latin typeface="Consolas" panose="020B0609020204030204" pitchFamily="49" charset="0"/>
+              </a:rPr>
+              <a:t>Условие) {</a:t>
+            </a:r>
+          </a:p>
+          <a:p>
+            <a:r>
+              <a:rPr lang="en-US" dirty="0" smtClean="0">
+                <a:solidFill>
+                  <a:srgbClr val="000000"/>
+                </a:solidFill>
+                <a:latin typeface="Consolas" panose="020B0609020204030204" pitchFamily="49" charset="0"/>
+              </a:rPr>
+              <a:t>	</a:t>
+            </a:r>
+            <a:r>
+              <a:rPr lang="ru-RU" dirty="0" smtClean="0">
+                <a:solidFill>
+                  <a:srgbClr val="000000"/>
+                </a:solidFill>
+                <a:latin typeface="Consolas" panose="020B0609020204030204" pitchFamily="49" charset="0"/>
+              </a:rPr>
+              <a:t>Блок </a:t>
+            </a:r>
+            <a:r>
+              <a:rPr lang="ru-RU" dirty="0">
+                <a:solidFill>
+                  <a:srgbClr val="000000"/>
+                </a:solidFill>
+                <a:latin typeface="Consolas" panose="020B0609020204030204" pitchFamily="49" charset="0"/>
+              </a:rPr>
+              <a:t>инструкций 1</a:t>
+            </a:r>
+          </a:p>
+          <a:p>
+            <a:r>
+              <a:rPr lang="ru-RU" dirty="0">
+                <a:solidFill>
+                  <a:srgbClr val="000000"/>
+                </a:solidFill>
+                <a:latin typeface="Consolas" panose="020B0609020204030204" pitchFamily="49" charset="0"/>
+              </a:rPr>
+              <a:t>}</a:t>
+            </a:r>
+          </a:p>
+          <a:p>
+            <a:r>
+              <a:rPr lang="en-US" dirty="0">
+                <a:solidFill>
+                  <a:srgbClr val="0000FF"/>
+                </a:solidFill>
+                <a:latin typeface="Consolas" panose="020B0609020204030204" pitchFamily="49" charset="0"/>
+              </a:rPr>
+              <a:t>else</a:t>
+            </a:r>
+            <a:r>
+              <a:rPr lang="en-US" dirty="0">
+                <a:solidFill>
+                  <a:srgbClr val="000000"/>
+                </a:solidFill>
+                <a:latin typeface="Consolas" panose="020B0609020204030204" pitchFamily="49" charset="0"/>
+              </a:rPr>
+              <a:t> {</a:t>
+            </a:r>
+          </a:p>
+          <a:p>
+            <a:r>
+              <a:rPr lang="en-US" dirty="0" smtClean="0">
+                <a:solidFill>
+                  <a:srgbClr val="000000"/>
+                </a:solidFill>
+                <a:latin typeface="Consolas" panose="020B0609020204030204" pitchFamily="49" charset="0"/>
+              </a:rPr>
+              <a:t>	</a:t>
+            </a:r>
+            <a:r>
+              <a:rPr lang="ru-RU" dirty="0" smtClean="0">
+                <a:solidFill>
+                  <a:srgbClr val="000000"/>
+                </a:solidFill>
+                <a:latin typeface="Consolas" panose="020B0609020204030204" pitchFamily="49" charset="0"/>
+              </a:rPr>
+              <a:t>Блок </a:t>
+            </a:r>
+            <a:r>
+              <a:rPr lang="ru-RU" dirty="0">
+                <a:solidFill>
+                  <a:srgbClr val="000000"/>
+                </a:solidFill>
+                <a:latin typeface="Consolas" panose="020B0609020204030204" pitchFamily="49" charset="0"/>
+              </a:rPr>
+              <a:t>инструкций 2</a:t>
+            </a:r>
+          </a:p>
+          <a:p>
+            <a:r>
+              <a:rPr lang="ru-RU" dirty="0">
+                <a:solidFill>
+                  <a:srgbClr val="000000"/>
+                </a:solidFill>
+                <a:latin typeface="Consolas" panose="020B0609020204030204" pitchFamily="49" charset="0"/>
+              </a:rPr>
+              <a:t>}</a:t>
+            </a:r>
+            <a:endParaRPr lang="ru-RU" dirty="0"/>
+          </a:p>
+        </p:txBody>
+      </p:sp>
+    </p:spTree>
+    <p:extLst>
+      <p:ext uri="{BB962C8B-B14F-4D97-AF65-F5344CB8AC3E}">
+        <p14:creationId xmlns:p14="http://schemas.microsoft.com/office/powerpoint/2010/main" val="355343799"/>
+      </p:ext>
+    </p:extLst>
+  </p:cSld>
+  <p:clrMapOvr>
+    <a:masterClrMapping/>
+  </p:clrMapOvr>
+</p:sld>
+</file>
+
+<file path=ppt/slides/slide6.xml><?xml version="1.0" encoding="utf-8"?>
+<p:sld xmlns:a="http://schemas.openxmlformats.org/drawingml/2006/main" xmlns:r="http://schemas.openxmlformats.org/officeDocument/2006/relationships" xmlns:p="http://schemas.openxmlformats.org/presentationml/2006/main">
+  <p:cSld>
+    <p:spTree>
+      <p:nvGrpSpPr>
+        <p:cNvPr id="1" name=""/>
+        <p:cNvGrpSpPr/>
+        <p:nvPr/>
+      </p:nvGrpSpPr>
+      <p:grpSpPr>
+        <a:xfrm>
+          <a:off x="0" y="0"/>
+          <a:ext cx="0" cy="0"/>
+          <a:chOff x="0" y="0"/>
+          <a:chExt cx="0" cy="0"/>
+        </a:xfrm>
+      </p:grpSpPr>
+      <p:sp>
+        <p:nvSpPr>
+          <p:cNvPr id="2" name="Заголовок 1"/>
+          <p:cNvSpPr>
+            <a:spLocks noGrp="1"/>
+          </p:cNvSpPr>
+          <p:nvPr>
+            <p:ph type="title"/>
+          </p:nvPr>
+        </p:nvSpPr>
+        <p:spPr>
+          <a:xfrm>
+            <a:off x="424874" y="291234"/>
+            <a:ext cx="12127345" cy="1325563"/>
+          </a:xfrm>
+        </p:spPr>
+        <p:txBody>
+          <a:bodyPr/>
+          <a:lstStyle/>
+          <a:p>
+            <a:r>
+              <a:rPr lang="ru-RU" dirty="0" smtClean="0"/>
+              <a:t>Логические операторы и операторы сравнения	</a:t>
+            </a:r>
+            <a:endParaRPr lang="ru-RU" dirty="0"/>
+          </a:p>
+        </p:txBody>
+      </p:sp>
+      <p:sp>
+        <p:nvSpPr>
+          <p:cNvPr id="3" name="Объект 2"/>
+          <p:cNvSpPr>
+            <a:spLocks noGrp="1"/>
+          </p:cNvSpPr>
+          <p:nvPr>
+            <p:ph idx="1"/>
+          </p:nvPr>
+        </p:nvSpPr>
+        <p:spPr/>
+        <p:txBody>
+          <a:bodyPr/>
+          <a:lstStyle/>
+          <a:p>
+            <a:r>
+              <a:rPr lang="en-US" dirty="0" smtClean="0"/>
+              <a:t>&lt;, &gt;, &lt;=, &gt;=, ==, !=</a:t>
+            </a:r>
+          </a:p>
+          <a:p>
+            <a:r>
+              <a:rPr lang="en-US" dirty="0" smtClean="0"/>
+              <a:t>&amp;&amp;, ||, !</a:t>
+            </a:r>
+          </a:p>
+        </p:txBody>
+      </p:sp>
+      <p:sp>
+        <p:nvSpPr>
+          <p:cNvPr id="5" name="TextBox 4"/>
+          <p:cNvSpPr txBox="1"/>
+          <p:nvPr/>
+        </p:nvSpPr>
+        <p:spPr>
+          <a:xfrm>
+            <a:off x="923636" y="3768436"/>
+            <a:ext cx="7004803" cy="369332"/>
+          </a:xfrm>
+          <a:prstGeom prst="rect">
+            <a:avLst/>
+          </a:prstGeom>
+          <a:noFill/>
+        </p:spPr>
+        <p:txBody>
+          <a:bodyPr wrap="none" rtlCol="0">
+            <a:spAutoFit/>
+          </a:bodyPr>
+          <a:lstStyle/>
+          <a:p>
+            <a:r>
+              <a:rPr lang="ru-RU" dirty="0" smtClean="0"/>
+              <a:t>Записать </a:t>
+            </a:r>
+            <a:r>
+              <a:rPr lang="en-US" dirty="0" smtClean="0"/>
+              <a:t>&lt;=, != </a:t>
+            </a:r>
+            <a:r>
+              <a:rPr lang="ru-RU" dirty="0" smtClean="0"/>
+              <a:t>раздельно с помощью </a:t>
+            </a:r>
+            <a:r>
+              <a:rPr lang="en-US" dirty="0" smtClean="0"/>
+              <a:t>&lt;, == </a:t>
+            </a:r>
+            <a:r>
+              <a:rPr lang="ru-RU" dirty="0" smtClean="0"/>
+              <a:t>и логических операторов.</a:t>
+            </a:r>
+            <a:endParaRPr lang="ru-RU" dirty="0"/>
+          </a:p>
+        </p:txBody>
+      </p:sp>
+    </p:spTree>
+    <p:extLst>
+      <p:ext uri="{BB962C8B-B14F-4D97-AF65-F5344CB8AC3E}">
+        <p14:creationId xmlns:p14="http://schemas.microsoft.com/office/powerpoint/2010/main" val="1694206000"/>
+      </p:ext>
+    </p:extLst>
+  </p:cSld>
+  <p:clrMapOvr>
+    <a:masterClrMapping/>
+  </p:clrMapOvr>
+</p:sld>
+</file>
+
+<file path=ppt/slides/slide7.xml><?xml version="1.0" encoding="utf-8"?>
+<p:sld xmlns:a="http://schemas.openxmlformats.org/drawingml/2006/main" xmlns:r="http://schemas.openxmlformats.org/officeDocument/2006/relationships" xmlns:p="http://schemas.openxmlformats.org/presentationml/2006/main">
+  <p:cSld>
+    <p:spTree>
+      <p:nvGrpSpPr>
+        <p:cNvPr id="1" name=""/>
+        <p:cNvGrpSpPr/>
+        <p:nvPr/>
+      </p:nvGrpSpPr>
+      <p:grpSpPr>
+        <a:xfrm>
+          <a:off x="0" y="0"/>
+          <a:ext cx="0" cy="0"/>
+          <a:chOff x="0" y="0"/>
+          <a:chExt cx="0" cy="0"/>
+        </a:xfrm>
+      </p:grpSpPr>
+      <p:sp>
+        <p:nvSpPr>
+          <p:cNvPr id="2" name="Заголовок 1"/>
+          <p:cNvSpPr>
+            <a:spLocks noGrp="1"/>
+          </p:cNvSpPr>
+          <p:nvPr>
+            <p:ph type="title"/>
+          </p:nvPr>
+        </p:nvSpPr>
+        <p:spPr/>
+        <p:txBody>
+          <a:bodyPr/>
+          <a:lstStyle/>
+          <a:p>
+            <a:r>
+              <a:rPr lang="ru-RU" dirty="0" smtClean="0"/>
+              <a:t>Домашнее задание</a:t>
+            </a:r>
+            <a:endParaRPr lang="ru-RU" dirty="0"/>
+          </a:p>
+        </p:txBody>
+      </p:sp>
+      <p:sp>
+        <p:nvSpPr>
+          <p:cNvPr id="3" name="Объект 2"/>
+          <p:cNvSpPr>
+            <a:spLocks noGrp="1"/>
+          </p:cNvSpPr>
+          <p:nvPr>
+            <p:ph idx="1"/>
+          </p:nvPr>
+        </p:nvSpPr>
+        <p:spPr/>
+        <p:txBody>
+          <a:bodyPr/>
+          <a:lstStyle/>
+          <a:p>
+            <a:r>
+              <a:rPr lang="ru-RU" dirty="0" smtClean="0"/>
+              <a:t>Решите задачу 12</a:t>
+            </a:r>
+          </a:p>
+          <a:p>
+            <a:pPr marL="0" indent="0">
+              <a:buNone/>
+            </a:pPr>
+            <a:r>
+              <a:rPr lang="ru-RU" dirty="0"/>
+              <a:t>Пирожок в столовой стоит </a:t>
+            </a:r>
+            <a:r>
+              <a:rPr lang="ru-RU" i="1" dirty="0"/>
+              <a:t>a</a:t>
+            </a:r>
+            <a:r>
+              <a:rPr lang="ru-RU" dirty="0"/>
+              <a:t> рублей и </a:t>
+            </a:r>
+            <a:r>
+              <a:rPr lang="ru-RU" i="1" dirty="0"/>
+              <a:t>b</a:t>
+            </a:r>
+            <a:r>
+              <a:rPr lang="ru-RU" dirty="0"/>
+              <a:t> </a:t>
+            </a:r>
+            <a:r>
+              <a:rPr lang="ru-RU" dirty="0" smtClean="0"/>
+              <a:t>копеек.</a:t>
+            </a:r>
+            <a:br>
+              <a:rPr lang="ru-RU" dirty="0" smtClean="0"/>
+            </a:br>
+            <a:r>
+              <a:rPr lang="ru-RU" dirty="0" smtClean="0"/>
+              <a:t>Определите</a:t>
+            </a:r>
+            <a:r>
+              <a:rPr lang="ru-RU" dirty="0"/>
+              <a:t>, сколько рублей и копеек нужно заплатить за </a:t>
+            </a:r>
+            <a:r>
+              <a:rPr lang="ru-RU" i="1" dirty="0"/>
+              <a:t>n</a:t>
+            </a:r>
+            <a:r>
+              <a:rPr lang="ru-RU" dirty="0"/>
+              <a:t> пирожков.</a:t>
+            </a:r>
+            <a:endParaRPr lang="ru-RU" dirty="0"/>
+          </a:p>
+        </p:txBody>
+      </p:sp>
+    </p:spTree>
+    <p:extLst>
+      <p:ext uri="{BB962C8B-B14F-4D97-AF65-F5344CB8AC3E}">
+        <p14:creationId xmlns:p14="http://schemas.microsoft.com/office/powerpoint/2010/main" val="2722066946"/>
       </p:ext>
     </p:extLst>
   </p:cSld>

--- a/Урок 3/Урок 3.pptx
+++ b/Урок 3/Урок 3.pptx
@@ -264,7 +264,7 @@
           <a:p>
             <a:fld id="{B7C2C77D-42AE-415F-B487-89E003DC1735}" type="datetimeFigureOut">
               <a:rPr lang="ru-RU" smtClean="0"/>
-              <a:t>24.07.2017</a:t>
+              <a:t>25.07.2017</a:t>
             </a:fld>
             <a:endParaRPr lang="ru-RU"/>
           </a:p>
@@ -434,7 +434,7 @@
           <a:p>
             <a:fld id="{B7C2C77D-42AE-415F-B487-89E003DC1735}" type="datetimeFigureOut">
               <a:rPr lang="ru-RU" smtClean="0"/>
-              <a:t>24.07.2017</a:t>
+              <a:t>25.07.2017</a:t>
             </a:fld>
             <a:endParaRPr lang="ru-RU"/>
           </a:p>
@@ -614,7 +614,7 @@
           <a:p>
             <a:fld id="{B7C2C77D-42AE-415F-B487-89E003DC1735}" type="datetimeFigureOut">
               <a:rPr lang="ru-RU" smtClean="0"/>
-              <a:t>24.07.2017</a:t>
+              <a:t>25.07.2017</a:t>
             </a:fld>
             <a:endParaRPr lang="ru-RU"/>
           </a:p>
@@ -784,7 +784,7 @@
           <a:p>
             <a:fld id="{B7C2C77D-42AE-415F-B487-89E003DC1735}" type="datetimeFigureOut">
               <a:rPr lang="ru-RU" smtClean="0"/>
-              <a:t>24.07.2017</a:t>
+              <a:t>25.07.2017</a:t>
             </a:fld>
             <a:endParaRPr lang="ru-RU"/>
           </a:p>
@@ -1030,7 +1030,7 @@
           <a:p>
             <a:fld id="{B7C2C77D-42AE-415F-B487-89E003DC1735}" type="datetimeFigureOut">
               <a:rPr lang="ru-RU" smtClean="0"/>
-              <a:t>24.07.2017</a:t>
+              <a:t>25.07.2017</a:t>
             </a:fld>
             <a:endParaRPr lang="ru-RU"/>
           </a:p>
@@ -1262,7 +1262,7 @@
           <a:p>
             <a:fld id="{B7C2C77D-42AE-415F-B487-89E003DC1735}" type="datetimeFigureOut">
               <a:rPr lang="ru-RU" smtClean="0"/>
-              <a:t>24.07.2017</a:t>
+              <a:t>25.07.2017</a:t>
             </a:fld>
             <a:endParaRPr lang="ru-RU"/>
           </a:p>
@@ -1629,7 +1629,7 @@
           <a:p>
             <a:fld id="{B7C2C77D-42AE-415F-B487-89E003DC1735}" type="datetimeFigureOut">
               <a:rPr lang="ru-RU" smtClean="0"/>
-              <a:t>24.07.2017</a:t>
+              <a:t>25.07.2017</a:t>
             </a:fld>
             <a:endParaRPr lang="ru-RU"/>
           </a:p>
@@ -1747,7 +1747,7 @@
           <a:p>
             <a:fld id="{B7C2C77D-42AE-415F-B487-89E003DC1735}" type="datetimeFigureOut">
               <a:rPr lang="ru-RU" smtClean="0"/>
-              <a:t>24.07.2017</a:t>
+              <a:t>25.07.2017</a:t>
             </a:fld>
             <a:endParaRPr lang="ru-RU"/>
           </a:p>
@@ -1842,7 +1842,7 @@
           <a:p>
             <a:fld id="{B7C2C77D-42AE-415F-B487-89E003DC1735}" type="datetimeFigureOut">
               <a:rPr lang="ru-RU" smtClean="0"/>
-              <a:t>24.07.2017</a:t>
+              <a:t>25.07.2017</a:t>
             </a:fld>
             <a:endParaRPr lang="ru-RU"/>
           </a:p>
@@ -2119,7 +2119,7 @@
           <a:p>
             <a:fld id="{B7C2C77D-42AE-415F-B487-89E003DC1735}" type="datetimeFigureOut">
               <a:rPr lang="ru-RU" smtClean="0"/>
-              <a:t>24.07.2017</a:t>
+              <a:t>25.07.2017</a:t>
             </a:fld>
             <a:endParaRPr lang="ru-RU"/>
           </a:p>
@@ -2372,7 +2372,7 @@
           <a:p>
             <a:fld id="{B7C2C77D-42AE-415F-B487-89E003DC1735}" type="datetimeFigureOut">
               <a:rPr lang="ru-RU" smtClean="0"/>
-              <a:t>24.07.2017</a:t>
+              <a:t>25.07.2017</a:t>
             </a:fld>
             <a:endParaRPr lang="ru-RU"/>
           </a:p>
@@ -2585,7 +2585,7 @@
           <a:p>
             <a:fld id="{B7C2C77D-42AE-415F-B487-89E003DC1735}" type="datetimeFigureOut">
               <a:rPr lang="ru-RU" smtClean="0"/>
-              <a:t>24.07.2017</a:t>
+              <a:t>25.07.2017</a:t>
             </a:fld>
             <a:endParaRPr lang="ru-RU"/>
           </a:p>
@@ -3049,7 +3049,7 @@
         <p:spPr>
           <a:xfrm>
             <a:off x="1303085" y="1030288"/>
-            <a:ext cx="5775107" cy="584775"/>
+            <a:ext cx="9402702" cy="584775"/>
           </a:xfrm>
           <a:prstGeom prst="rect">
             <a:avLst/>
@@ -3063,12 +3063,16 @@
           <a:lstStyle/>
           <a:p>
             <a:r>
+              <a:rPr lang="ru-RU" sz="3200" dirty="0" smtClean="0"/>
+              <a:t>Урок 3. Решение простых задач</a:t>
+            </a:r>
+            <a:r>
+              <a:rPr lang="ru-RU" sz="3200" dirty="0" smtClean="0"/>
+              <a:t>. </a:t>
+            </a:r>
+            <a:r>
               <a:rPr lang="ru-RU" sz="3200" smtClean="0"/>
-              <a:t>Урок 3. </a:t>
-            </a:r>
-            <a:r>
-              <a:rPr lang="ru-RU" sz="3200" dirty="0" smtClean="0"/>
-              <a:t>Решение простых задач.</a:t>
+              <a:t>Условный оператор.</a:t>
             </a:r>
             <a:endParaRPr lang="ru-RU" sz="3200" dirty="0"/>
           </a:p>
@@ -3201,9 +3205,6 @@
               </a:rPr>
               <a:t>Программа получает на вход значения v и t. Если v&gt;0, то Вася движется в положительном направлении по МКАД, если же значение v&lt;0, то в отрицательном.</a:t>
             </a:r>
-            <a:endParaRPr lang="ru-RU" dirty="0">
-              <a:latin typeface="Courier New" panose="02070309020205020404" pitchFamily="49" charset="0"/>
-            </a:endParaRPr>
           </a:p>
         </p:txBody>
       </p:sp>
@@ -4273,7 +4274,6 @@
               <a:rPr lang="ru-RU" dirty="0"/>
               <a:t> пирожков.</a:t>
             </a:r>
-            <a:endParaRPr lang="ru-RU" dirty="0"/>
           </a:p>
         </p:txBody>
       </p:sp>
